--- a/Presentaciones/Segundo Parcial/Netbeans.pptx
+++ b/Presentaciones/Segundo Parcial/Netbeans.pptx
@@ -114,6 +114,11 @@
       </a:defRPr>
     </a:lvl9pPr>
   </p:defaultTextStyle>
+  <p:extLst>
+    <p:ext uri="{EFAFB233-063F-42B5-8137-9DF3F51BA10A}">
+      <p15:sldGuideLst xmlns:p15="http://schemas.microsoft.com/office/powerpoint/2012/main"/>
+    </p:ext>
+  </p:extLst>
 </p:presentation>
 </file>
 
@@ -199,7 +204,7 @@
           <a:p>
             <a:fld id="{7B134484-513A-4AAC-95EA-13BFF9F029E7}" type="datetimeFigureOut">
               <a:rPr lang="es-MX" smtClean="0"/>
-              <a:t>27/02/2019</a:t>
+              <a:t>11/03/2019</a:t>
             </a:fld>
             <a:endParaRPr lang="es-MX"/>
           </a:p>
@@ -837,9 +842,9 @@
           <a:bodyPr/>
           <a:lstStyle/>
           <a:p>
-            <a:fld id="{98DF4D4B-79AF-43D6-88BC-8F7BD3127E35}" type="datetimeFigureOut">
+            <a:fld id="{5C6A494D-EBAD-4CC2-B567-33DF30EBC9FE}" type="datetime1">
               <a:rPr lang="es-MX" smtClean="0"/>
-              <a:t>27/02/2019</a:t>
+              <a:t>11/03/2019</a:t>
             </a:fld>
             <a:endParaRPr lang="es-MX"/>
           </a:p>
@@ -860,7 +865,10 @@
           <a:bodyPr/>
           <a:lstStyle/>
           <a:p>
-            <a:endParaRPr lang="es-MX"/>
+            <a:r>
+              <a:rPr lang="es-MX"/>
+              <a:t>Lic. José Orihuela Sánchez Programación y Aplicaciones para la Web</a:t>
+            </a:r>
           </a:p>
         </p:txBody>
       </p:sp>
@@ -1007,9 +1015,9 @@
           <a:bodyPr/>
           <a:lstStyle/>
           <a:p>
-            <a:fld id="{98DF4D4B-79AF-43D6-88BC-8F7BD3127E35}" type="datetimeFigureOut">
+            <a:fld id="{41D7C6D2-4FDC-49B2-A083-1FB190C979C7}" type="datetime1">
               <a:rPr lang="es-MX" smtClean="0"/>
-              <a:t>27/02/2019</a:t>
+              <a:t>11/03/2019</a:t>
             </a:fld>
             <a:endParaRPr lang="es-MX"/>
           </a:p>
@@ -1030,7 +1038,10 @@
           <a:bodyPr/>
           <a:lstStyle/>
           <a:p>
-            <a:endParaRPr lang="es-MX"/>
+            <a:r>
+              <a:rPr lang="es-MX"/>
+              <a:t>Lic. José Orihuela Sánchez Programación y Aplicaciones para la Web</a:t>
+            </a:r>
           </a:p>
         </p:txBody>
       </p:sp>
@@ -1230,9 +1241,9 @@
           <a:bodyPr/>
           <a:lstStyle/>
           <a:p>
-            <a:fld id="{98DF4D4B-79AF-43D6-88BC-8F7BD3127E35}" type="datetimeFigureOut">
+            <a:fld id="{64054800-BBEF-4E4E-A644-C4A8D5A66121}" type="datetime1">
               <a:rPr lang="es-MX" smtClean="0"/>
-              <a:t>27/02/2019</a:t>
+              <a:t>11/03/2019</a:t>
             </a:fld>
             <a:endParaRPr lang="es-MX"/>
           </a:p>
@@ -1258,7 +1269,10 @@
           <a:bodyPr/>
           <a:lstStyle/>
           <a:p>
-            <a:endParaRPr lang="es-MX"/>
+            <a:r>
+              <a:rPr lang="es-MX"/>
+              <a:t>Lic. José Orihuela Sánchez Programación y Aplicaciones para la Web</a:t>
+            </a:r>
           </a:p>
         </p:txBody>
       </p:sp>
@@ -1410,9 +1424,9 @@
           <a:bodyPr/>
           <a:lstStyle/>
           <a:p>
-            <a:fld id="{98DF4D4B-79AF-43D6-88BC-8F7BD3127E35}" type="datetimeFigureOut">
+            <a:fld id="{66C3C642-5C90-4739-A7BA-A54559A46ED9}" type="datetime1">
               <a:rPr lang="es-MX" smtClean="0"/>
-              <a:t>27/02/2019</a:t>
+              <a:t>11/03/2019</a:t>
             </a:fld>
             <a:endParaRPr lang="es-MX"/>
           </a:p>
@@ -1433,7 +1447,10 @@
           <a:bodyPr/>
           <a:lstStyle/>
           <a:p>
-            <a:endParaRPr lang="es-MX"/>
+            <a:r>
+              <a:rPr lang="es-MX"/>
+              <a:t>Lic. José Orihuela Sánchez Programación y Aplicaciones para la Web</a:t>
+            </a:r>
           </a:p>
         </p:txBody>
       </p:sp>
@@ -1716,9 +1733,9 @@
             </a:lvl1pPr>
           </a:lstStyle>
           <a:p>
-            <a:fld id="{98DF4D4B-79AF-43D6-88BC-8F7BD3127E35}" type="datetimeFigureOut">
+            <a:fld id="{61C3BBF1-4698-48D2-8164-2EA1500A9A6D}" type="datetime1">
               <a:rPr lang="es-MX" smtClean="0"/>
-              <a:t>27/02/2019</a:t>
+              <a:t>11/03/2019</a:t>
             </a:fld>
             <a:endParaRPr lang="es-MX"/>
           </a:p>
@@ -1747,7 +1764,10 @@
             </a:lvl1pPr>
           </a:lstStyle>
           <a:p>
-            <a:endParaRPr lang="es-MX"/>
+            <a:r>
+              <a:rPr lang="es-MX"/>
+              <a:t>Lic. José Orihuela Sánchez Programación y Aplicaciones para la Web</a:t>
+            </a:r>
           </a:p>
         </p:txBody>
       </p:sp>
@@ -2020,9 +2040,9 @@
           <a:bodyPr/>
           <a:lstStyle/>
           <a:p>
-            <a:fld id="{98DF4D4B-79AF-43D6-88BC-8F7BD3127E35}" type="datetimeFigureOut">
+            <a:fld id="{E12036C9-AC63-4F4B-BF15-9243F4A5F8AB}" type="datetime1">
               <a:rPr lang="es-MX" smtClean="0"/>
-              <a:t>27/02/2019</a:t>
+              <a:t>11/03/2019</a:t>
             </a:fld>
             <a:endParaRPr lang="es-MX"/>
           </a:p>
@@ -2043,7 +2063,10 @@
           <a:bodyPr/>
           <a:lstStyle/>
           <a:p>
-            <a:endParaRPr lang="es-MX"/>
+            <a:r>
+              <a:rPr lang="es-MX"/>
+              <a:t>Lic. José Orihuela Sánchez Programación y Aplicaciones para la Web</a:t>
+            </a:r>
           </a:p>
         </p:txBody>
       </p:sp>
@@ -2442,9 +2465,9 @@
           <a:bodyPr/>
           <a:lstStyle/>
           <a:p>
-            <a:fld id="{98DF4D4B-79AF-43D6-88BC-8F7BD3127E35}" type="datetimeFigureOut">
+            <a:fld id="{C29BD958-0F7A-4E7A-A6F5-F5F2EB9B1B81}" type="datetime1">
               <a:rPr lang="es-MX" smtClean="0"/>
-              <a:t>27/02/2019</a:t>
+              <a:t>11/03/2019</a:t>
             </a:fld>
             <a:endParaRPr lang="es-MX"/>
           </a:p>
@@ -2465,7 +2488,10 @@
           <a:bodyPr/>
           <a:lstStyle/>
           <a:p>
-            <a:endParaRPr lang="es-MX"/>
+            <a:r>
+              <a:rPr lang="es-MX"/>
+              <a:t>Lic. José Orihuela Sánchez Programación y Aplicaciones para la Web</a:t>
+            </a:r>
           </a:p>
         </p:txBody>
       </p:sp>
@@ -2560,9 +2586,9 @@
           <a:bodyPr/>
           <a:lstStyle/>
           <a:p>
-            <a:fld id="{98DF4D4B-79AF-43D6-88BC-8F7BD3127E35}" type="datetimeFigureOut">
+            <a:fld id="{59DAE80B-C1E7-4128-9AF8-F8B42D30DFB7}" type="datetime1">
               <a:rPr lang="es-MX" smtClean="0"/>
-              <a:t>27/02/2019</a:t>
+              <a:t>11/03/2019</a:t>
             </a:fld>
             <a:endParaRPr lang="es-MX"/>
           </a:p>
@@ -2583,7 +2609,10 @@
           <a:bodyPr/>
           <a:lstStyle/>
           <a:p>
-            <a:endParaRPr lang="es-MX"/>
+            <a:r>
+              <a:rPr lang="es-MX"/>
+              <a:t>Lic. José Orihuela Sánchez Programación y Aplicaciones para la Web</a:t>
+            </a:r>
           </a:p>
         </p:txBody>
       </p:sp>
@@ -2655,9 +2684,9 @@
           <a:bodyPr/>
           <a:lstStyle/>
           <a:p>
-            <a:fld id="{98DF4D4B-79AF-43D6-88BC-8F7BD3127E35}" type="datetimeFigureOut">
+            <a:fld id="{20768116-B404-4E65-A50B-BFE478C6835E}" type="datetime1">
               <a:rPr lang="es-MX" smtClean="0"/>
-              <a:t>27/02/2019</a:t>
+              <a:t>11/03/2019</a:t>
             </a:fld>
             <a:endParaRPr lang="es-MX"/>
           </a:p>
@@ -2678,7 +2707,10 @@
           <a:bodyPr/>
           <a:lstStyle/>
           <a:p>
-            <a:endParaRPr lang="es-MX"/>
+            <a:r>
+              <a:rPr lang="es-MX"/>
+              <a:t>Lic. José Orihuela Sánchez Programación y Aplicaciones para la Web</a:t>
+            </a:r>
           </a:p>
         </p:txBody>
       </p:sp>
@@ -2928,9 +2960,9 @@
           <a:bodyPr/>
           <a:lstStyle/>
           <a:p>
-            <a:fld id="{98DF4D4B-79AF-43D6-88BC-8F7BD3127E35}" type="datetimeFigureOut">
+            <a:fld id="{6D3A1166-373F-46CA-B908-6A97E9AADD4A}" type="datetime1">
               <a:rPr lang="es-MX" smtClean="0"/>
-              <a:t>27/02/2019</a:t>
+              <a:t>11/03/2019</a:t>
             </a:fld>
             <a:endParaRPr lang="es-MX"/>
           </a:p>
@@ -2951,7 +2983,10 @@
           <a:bodyPr/>
           <a:lstStyle/>
           <a:p>
-            <a:endParaRPr lang="es-MX"/>
+            <a:r>
+              <a:rPr lang="es-MX"/>
+              <a:t>Lic. José Orihuela Sánchez Programación y Aplicaciones para la Web</a:t>
+            </a:r>
           </a:p>
         </p:txBody>
       </p:sp>
@@ -3193,9 +3228,9 @@
           <a:bodyPr/>
           <a:lstStyle/>
           <a:p>
-            <a:fld id="{98DF4D4B-79AF-43D6-88BC-8F7BD3127E35}" type="datetimeFigureOut">
+            <a:fld id="{EE25D545-9CD4-4CE8-A5EA-55233C6230E9}" type="datetime1">
               <a:rPr lang="es-MX" smtClean="0"/>
-              <a:t>27/02/2019</a:t>
+              <a:t>11/03/2019</a:t>
             </a:fld>
             <a:endParaRPr lang="es-MX"/>
           </a:p>
@@ -3216,7 +3251,10 @@
           <a:bodyPr/>
           <a:lstStyle/>
           <a:p>
-            <a:endParaRPr lang="es-MX"/>
+            <a:r>
+              <a:rPr lang="es-MX"/>
+              <a:t>Lic. José Orihuela Sánchez Programación y Aplicaciones para la Web</a:t>
+            </a:r>
           </a:p>
         </p:txBody>
       </p:sp>
@@ -3442,9 +3480,9 @@
             </a:lvl1pPr>
           </a:lstStyle>
           <a:p>
-            <a:fld id="{98DF4D4B-79AF-43D6-88BC-8F7BD3127E35}" type="datetimeFigureOut">
+            <a:fld id="{BF00B21B-946C-4EBE-B0B3-0F45BE074BC8}" type="datetime1">
               <a:rPr lang="es-MX" smtClean="0"/>
-              <a:t>27/02/2019</a:t>
+              <a:t>11/03/2019</a:t>
             </a:fld>
             <a:endParaRPr lang="es-MX"/>
           </a:p>
@@ -3481,7 +3519,10 @@
             </a:lvl1pPr>
           </a:lstStyle>
           <a:p>
-            <a:endParaRPr lang="es-MX"/>
+            <a:r>
+              <a:rPr lang="es-MX"/>
+              <a:t>Lic. José Orihuela Sánchez Programación y Aplicaciones para la Web</a:t>
+            </a:r>
           </a:p>
         </p:txBody>
       </p:sp>
@@ -3545,6 +3586,7 @@
     <p:sldLayoutId id="2147483670" r:id="rId10"/>
     <p:sldLayoutId id="2147483671" r:id="rId11"/>
   </p:sldLayoutIdLst>
+  <p:hf sldNum="0" hdr="0" dt="0"/>
   <p:txStyles>
     <p:titleStyle>
       <a:lvl1pPr algn="l" defTabSz="914400" rtl="0" eaLnBrk="1" latinLnBrk="0" hangingPunct="1">
@@ -3921,8 +3963,8 @@
           <a:lstStyle/>
           <a:p>
             <a:r>
-              <a:rPr lang="es-MX" dirty="0" err="1"/>
-              <a:t>Netbeans</a:t>
+              <a:rPr lang="en-US" dirty="0"/>
+              <a:t>PROGRAMACIÓN Y APLICACIONES PARA LA WEB</a:t>
             </a:r>
             <a:endParaRPr lang="es-MX" dirty="0"/>
           </a:p>
@@ -3949,7 +3991,113 @@
           <a:bodyPr/>
           <a:lstStyle/>
           <a:p>
-            <a:endParaRPr lang="es-MX"/>
+            <a:r>
+              <a:rPr lang="es-MX" dirty="0" err="1"/>
+              <a:t>Netbeans</a:t>
+            </a:r>
+            <a:endParaRPr lang="es-MX" dirty="0"/>
+          </a:p>
+        </p:txBody>
+      </p:sp>
+      <p:sp>
+        <p:nvSpPr>
+          <p:cNvPr id="4" name="Footer Placeholder 3">
+            <a:extLst>
+              <a:ext uri="{FF2B5EF4-FFF2-40B4-BE49-F238E27FC236}">
+                <a16:creationId xmlns:a16="http://schemas.microsoft.com/office/drawing/2014/main" id="{FDBFD3FC-3B9E-48AA-A422-0999B1935A01}"/>
+              </a:ext>
+            </a:extLst>
+          </p:cNvPr>
+          <p:cNvSpPr>
+            <a:spLocks noGrp="1"/>
+          </p:cNvSpPr>
+          <p:nvPr>
+            <p:ph type="ftr" sz="quarter" idx="11"/>
+          </p:nvPr>
+        </p:nvSpPr>
+        <p:spPr/>
+        <p:txBody>
+          <a:bodyPr/>
+          <a:lstStyle/>
+          <a:p>
+            <a:r>
+              <a:rPr lang="es-MX"/>
+              <a:t>Lic. José Orihuela Sánchez Programación y Aplicaciones para la Web</a:t>
+            </a:r>
+          </a:p>
+        </p:txBody>
+      </p:sp>
+      <p:sp>
+        <p:nvSpPr>
+          <p:cNvPr id="5" name="Title 1">
+            <a:extLst>
+              <a:ext uri="{FF2B5EF4-FFF2-40B4-BE49-F238E27FC236}">
+                <a16:creationId xmlns:a16="http://schemas.microsoft.com/office/drawing/2014/main" id="{74EA678C-1B66-4B73-8BFE-9DAA6CFA992A}"/>
+              </a:ext>
+            </a:extLst>
+          </p:cNvPr>
+          <p:cNvSpPr txBox="1">
+            <a:spLocks/>
+          </p:cNvSpPr>
+          <p:nvPr/>
+        </p:nvSpPr>
+        <p:spPr>
+          <a:xfrm>
+            <a:off x="365759" y="202391"/>
+            <a:ext cx="11471565" cy="1739347"/>
+          </a:xfrm>
+          <a:prstGeom prst="rect">
+            <a:avLst/>
+          </a:prstGeom>
+        </p:spPr>
+        <p:txBody>
+          <a:bodyPr vert="horz" lIns="91440" tIns="45720" rIns="91440" bIns="45720" rtlCol="0" anchor="ctr">
+            <a:normAutofit/>
+          </a:bodyPr>
+          <a:lstStyle>
+            <a:lvl1pPr algn="ctr" defTabSz="914400" rtl="0" eaLnBrk="1" latinLnBrk="0" hangingPunct="1">
+              <a:lnSpc>
+                <a:spcPct val="80000"/>
+              </a:lnSpc>
+              <a:spcBef>
+                <a:spcPct val="0"/>
+              </a:spcBef>
+              <a:buNone/>
+              <a:defRPr sz="6000" kern="1200" cap="all" spc="150" baseline="0">
+                <a:solidFill>
+                  <a:schemeClr val="bg2"/>
+                </a:solidFill>
+                <a:latin typeface="+mj-lt"/>
+                <a:ea typeface="+mj-ea"/>
+                <a:cs typeface="+mj-cs"/>
+              </a:defRPr>
+            </a:lvl1pPr>
+          </a:lstStyle>
+          <a:p>
+            <a:r>
+              <a:rPr lang="es-MX" sz="3200" dirty="0">
+                <a:solidFill>
+                  <a:schemeClr val="bg1">
+                    <a:lumMod val="10000"/>
+                    <a:lumOff val="90000"/>
+                  </a:schemeClr>
+                </a:solidFill>
+              </a:rPr>
+              <a:t>UNIVERSIDAD AUTONOMA DE NUEVO LEÓN</a:t>
+            </a:r>
+          </a:p>
+          <a:p>
+            <a:r>
+              <a:rPr lang="es-MX" sz="3200" dirty="0">
+                <a:solidFill>
+                  <a:schemeClr val="bg1">
+                    <a:lumMod val="10000"/>
+                    <a:lumOff val="90000"/>
+                  </a:schemeClr>
+                </a:solidFill>
+              </a:rPr>
+              <a:t>FACULTAD DE CIENCIAS FISICO-MATEMATICAS</a:t>
+            </a:r>
           </a:p>
         </p:txBody>
       </p:sp>
@@ -4045,6 +4193,34 @@
           </a:p>
         </p:txBody>
       </p:sp>
+      <p:sp>
+        <p:nvSpPr>
+          <p:cNvPr id="4" name="Footer Placeholder 3">
+            <a:extLst>
+              <a:ext uri="{FF2B5EF4-FFF2-40B4-BE49-F238E27FC236}">
+                <a16:creationId xmlns:a16="http://schemas.microsoft.com/office/drawing/2014/main" id="{C443B83A-E7AF-421A-A6DD-84D1458C2564}"/>
+              </a:ext>
+            </a:extLst>
+          </p:cNvPr>
+          <p:cNvSpPr>
+            <a:spLocks noGrp="1"/>
+          </p:cNvSpPr>
+          <p:nvPr>
+            <p:ph type="ftr" sz="quarter" idx="11"/>
+          </p:nvPr>
+        </p:nvSpPr>
+        <p:spPr/>
+        <p:txBody>
+          <a:bodyPr/>
+          <a:lstStyle/>
+          <a:p>
+            <a:r>
+              <a:rPr lang="es-MX"/>
+              <a:t>Lic. José Orihuela Sánchez Programación y Aplicaciones para la Web</a:t>
+            </a:r>
+          </a:p>
+        </p:txBody>
+      </p:sp>
     </p:spTree>
     <p:extLst>
       <p:ext uri="{BB962C8B-B14F-4D97-AF65-F5344CB8AC3E}">
@@ -4165,15 +4341,35 @@
           <a:p>
             <a:r>
               <a:rPr lang="es-MX" dirty="0"/>
-              <a:t>Por ultimo elegimos el método que </a:t>
-            </a:r>
-            <a:r>
-              <a:rPr lang="es-MX" dirty="0" err="1"/>
-              <a:t>preferamos</a:t>
-            </a:r>
-            <a:r>
-              <a:rPr lang="es-MX" dirty="0"/>
-              <a:t> para descargarlo</a:t>
+              <a:t>Por ultimo elegimos el método que prefiramos para descargarlo</a:t>
+            </a:r>
+          </a:p>
+        </p:txBody>
+      </p:sp>
+      <p:sp>
+        <p:nvSpPr>
+          <p:cNvPr id="4" name="Footer Placeholder 3">
+            <a:extLst>
+              <a:ext uri="{FF2B5EF4-FFF2-40B4-BE49-F238E27FC236}">
+                <a16:creationId xmlns:a16="http://schemas.microsoft.com/office/drawing/2014/main" id="{995DD61F-D3F4-45B5-B871-5B069D87F99F}"/>
+              </a:ext>
+            </a:extLst>
+          </p:cNvPr>
+          <p:cNvSpPr>
+            <a:spLocks noGrp="1"/>
+          </p:cNvSpPr>
+          <p:nvPr>
+            <p:ph type="ftr" sz="quarter" idx="11"/>
+          </p:nvPr>
+        </p:nvSpPr>
+        <p:spPr/>
+        <p:txBody>
+          <a:bodyPr/>
+          <a:lstStyle/>
+          <a:p>
+            <a:r>
+              <a:rPr lang="es-MX"/>
+              <a:t>Lic. José Orihuela Sánchez Programación y Aplicaciones para la Web</a:t>
             </a:r>
           </a:p>
         </p:txBody>
@@ -4278,6 +4474,34 @@
           </a:p>
         </p:txBody>
       </p:sp>
+      <p:sp>
+        <p:nvSpPr>
+          <p:cNvPr id="4" name="Footer Placeholder 3">
+            <a:extLst>
+              <a:ext uri="{FF2B5EF4-FFF2-40B4-BE49-F238E27FC236}">
+                <a16:creationId xmlns:a16="http://schemas.microsoft.com/office/drawing/2014/main" id="{B9B7CDE7-BCFB-464B-9253-90E57EE03CD3}"/>
+              </a:ext>
+            </a:extLst>
+          </p:cNvPr>
+          <p:cNvSpPr>
+            <a:spLocks noGrp="1"/>
+          </p:cNvSpPr>
+          <p:nvPr>
+            <p:ph type="ftr" sz="quarter" idx="11"/>
+          </p:nvPr>
+        </p:nvSpPr>
+        <p:spPr/>
+        <p:txBody>
+          <a:bodyPr/>
+          <a:lstStyle/>
+          <a:p>
+            <a:r>
+              <a:rPr lang="es-MX"/>
+              <a:t>Lic. José Orihuela Sánchez Programación y Aplicaciones para la Web</a:t>
+            </a:r>
+          </a:p>
+        </p:txBody>
+      </p:sp>
     </p:spTree>
     <p:extLst>
       <p:ext uri="{BB962C8B-B14F-4D97-AF65-F5344CB8AC3E}">
@@ -4386,6 +4610,34 @@
           </a:p>
         </p:txBody>
       </p:sp>
+      <p:sp>
+        <p:nvSpPr>
+          <p:cNvPr id="4" name="Footer Placeholder 3">
+            <a:extLst>
+              <a:ext uri="{FF2B5EF4-FFF2-40B4-BE49-F238E27FC236}">
+                <a16:creationId xmlns:a16="http://schemas.microsoft.com/office/drawing/2014/main" id="{2578D8F6-B5E5-46F3-8BB2-AC5AE7E7E7AE}"/>
+              </a:ext>
+            </a:extLst>
+          </p:cNvPr>
+          <p:cNvSpPr>
+            <a:spLocks noGrp="1"/>
+          </p:cNvSpPr>
+          <p:nvPr>
+            <p:ph type="ftr" sz="quarter" idx="11"/>
+          </p:nvPr>
+        </p:nvSpPr>
+        <p:spPr/>
+        <p:txBody>
+          <a:bodyPr/>
+          <a:lstStyle/>
+          <a:p>
+            <a:r>
+              <a:rPr lang="es-MX"/>
+              <a:t>Lic. José Orihuela Sánchez Programación y Aplicaciones para la Web</a:t>
+            </a:r>
+          </a:p>
+        </p:txBody>
+      </p:sp>
     </p:spTree>
     <p:extLst>
       <p:ext uri="{BB962C8B-B14F-4D97-AF65-F5344CB8AC3E}">
@@ -4519,6 +4771,34 @@
           </a:p>
         </p:txBody>
       </p:sp>
+      <p:sp>
+        <p:nvSpPr>
+          <p:cNvPr id="4" name="Footer Placeholder 3">
+            <a:extLst>
+              <a:ext uri="{FF2B5EF4-FFF2-40B4-BE49-F238E27FC236}">
+                <a16:creationId xmlns:a16="http://schemas.microsoft.com/office/drawing/2014/main" id="{F433FFE9-C167-4EAD-B9CB-43DA5C71B6DD}"/>
+              </a:ext>
+            </a:extLst>
+          </p:cNvPr>
+          <p:cNvSpPr>
+            <a:spLocks noGrp="1"/>
+          </p:cNvSpPr>
+          <p:nvPr>
+            <p:ph type="ftr" sz="quarter" idx="11"/>
+          </p:nvPr>
+        </p:nvSpPr>
+        <p:spPr/>
+        <p:txBody>
+          <a:bodyPr/>
+          <a:lstStyle/>
+          <a:p>
+            <a:r>
+              <a:rPr lang="es-MX"/>
+              <a:t>Lic. José Orihuela Sánchez Programación y Aplicaciones para la Web</a:t>
+            </a:r>
+          </a:p>
+        </p:txBody>
+      </p:sp>
     </p:spTree>
     <p:extLst>
       <p:ext uri="{BB962C8B-B14F-4D97-AF65-F5344CB8AC3E}">
@@ -4650,6 +4930,34 @@
           </a:p>
         </p:txBody>
       </p:sp>
+      <p:sp>
+        <p:nvSpPr>
+          <p:cNvPr id="4" name="Footer Placeholder 3">
+            <a:extLst>
+              <a:ext uri="{FF2B5EF4-FFF2-40B4-BE49-F238E27FC236}">
+                <a16:creationId xmlns:a16="http://schemas.microsoft.com/office/drawing/2014/main" id="{090A1B28-F454-445E-B3B4-5CAB8BCCD7D8}"/>
+              </a:ext>
+            </a:extLst>
+          </p:cNvPr>
+          <p:cNvSpPr>
+            <a:spLocks noGrp="1"/>
+          </p:cNvSpPr>
+          <p:nvPr>
+            <p:ph type="ftr" sz="quarter" idx="11"/>
+          </p:nvPr>
+        </p:nvSpPr>
+        <p:spPr/>
+        <p:txBody>
+          <a:bodyPr/>
+          <a:lstStyle/>
+          <a:p>
+            <a:r>
+              <a:rPr lang="es-MX"/>
+              <a:t>Lic. José Orihuela Sánchez Programación y Aplicaciones para la Web</a:t>
+            </a:r>
+          </a:p>
+        </p:txBody>
+      </p:sp>
     </p:spTree>
     <p:extLst>
       <p:ext uri="{BB962C8B-B14F-4D97-AF65-F5344CB8AC3E}">
@@ -4855,6 +5163,34 @@
           <a:p>
             <a:pPr lvl="1" algn="ctr"/>
             <a:endParaRPr lang="es-MX" b="1" dirty="0"/>
+          </a:p>
+        </p:txBody>
+      </p:sp>
+      <p:sp>
+        <p:nvSpPr>
+          <p:cNvPr id="4" name="Footer Placeholder 3">
+            <a:extLst>
+              <a:ext uri="{FF2B5EF4-FFF2-40B4-BE49-F238E27FC236}">
+                <a16:creationId xmlns:a16="http://schemas.microsoft.com/office/drawing/2014/main" id="{43088434-B4DA-4826-A876-80FC3951A4B2}"/>
+              </a:ext>
+            </a:extLst>
+          </p:cNvPr>
+          <p:cNvSpPr>
+            <a:spLocks noGrp="1"/>
+          </p:cNvSpPr>
+          <p:nvPr>
+            <p:ph type="ftr" sz="quarter" idx="11"/>
+          </p:nvPr>
+        </p:nvSpPr>
+        <p:spPr/>
+        <p:txBody>
+          <a:bodyPr/>
+          <a:lstStyle/>
+          <a:p>
+            <a:r>
+              <a:rPr lang="es-MX"/>
+              <a:t>Lic. José Orihuela Sánchez Programación y Aplicaciones para la Web</a:t>
+            </a:r>
           </a:p>
         </p:txBody>
       </p:sp>
